--- a/The Palate of atlanta.pptx
+++ b/The Palate of atlanta.pptx
@@ -12,6 +12,7 @@
     <p:sldId id="260" r:id="rId6"/>
     <p:sldId id="261" r:id="rId7"/>
     <p:sldId id="262" r:id="rId8"/>
+    <p:sldId id="263" r:id="rId9"/>
   </p:sldIdLst>
   <p:sldSz cx="12192000" cy="6858000"/>
   <p:notesSz cx="6858000" cy="9144000"/>
@@ -5587,7 +5588,7 @@
         <p:spPr>
           <a:xfrm>
             <a:off x="1177018" y="4768160"/>
-            <a:ext cx="5060495" cy="1447246"/>
+            <a:ext cx="5060495" cy="1218982"/>
           </a:xfrm>
           <a:prstGeom prst="rect">
             <a:avLst/>
@@ -5702,14 +5703,14 @@
             <p:ph idx="1"/>
             <p:extLst>
               <p:ext uri="{D42A27DB-BD31-4B8C-83A1-F6EECF244321}">
-                <p14:modId xmlns:p14="http://schemas.microsoft.com/office/powerpoint/2010/main" val="700129622"/>
+                <p14:modId xmlns:p14="http://schemas.microsoft.com/office/powerpoint/2010/main" val="3239564033"/>
               </p:ext>
             </p:extLst>
           </p:nvPr>
         </p:nvGraphicFramePr>
         <p:xfrm>
-          <a:off x="1188357" y="1873302"/>
-          <a:ext cx="8913586" cy="3428040"/>
+          <a:off x="2673350" y="4398787"/>
+          <a:ext cx="6845300" cy="2034667"/>
         </p:xfrm>
         <a:graphic>
           <a:graphicData uri="http://schemas.openxmlformats.org/drawingml/2006/table">
@@ -5718,14 +5719,14 @@
                 <a:tableStyleId>{9D7B26C5-4107-4FEC-AEDC-1716B250A1EF}</a:tableStyleId>
               </a:tblPr>
               <a:tblGrid>
-                <a:gridCol w="3679097">
+                <a:gridCol w="2825409">
                   <a:extLst>
                     <a:ext uri="{9D8B030D-6E8A-4147-A177-3AD203B41FA5}">
                       <a16:colId xmlns:a16="http://schemas.microsoft.com/office/drawing/2014/main" val="3638655844"/>
                     </a:ext>
                   </a:extLst>
                 </a:gridCol>
-                <a:gridCol w="5234489">
+                <a:gridCol w="4019891">
                   <a:extLst>
                     <a:ext uri="{9D8B030D-6E8A-4147-A177-3AD203B41FA5}">
                       <a16:colId xmlns:a16="http://schemas.microsoft.com/office/drawing/2014/main" val="704611391"/>
@@ -5733,7 +5734,7 @@
                   </a:extLst>
                 </a:gridCol>
               </a:tblGrid>
-              <a:tr h="424015">
+              <a:tr h="287191">
                 <a:tc>
                   <a:txBody>
                     <a:bodyPr/>
@@ -5751,12 +5752,12 @@
                         </a:spcAft>
                       </a:pPr>
                       <a:r>
-                        <a:rPr lang="en-US" sz="2400" dirty="0">
+                        <a:rPr lang="en-US" sz="1400" dirty="0">
                           <a:effectLst/>
                         </a:rPr>
                         <a:t>Cuisine Category</a:t>
                       </a:r>
-                      <a:endParaRPr lang="en-US" sz="2400" dirty="0">
+                      <a:endParaRPr lang="en-US" sz="1400" dirty="0">
                         <a:solidFill>
                           <a:srgbClr val="000000"/>
                         </a:solidFill>
@@ -5786,12 +5787,12 @@
                         </a:spcAft>
                       </a:pPr>
                       <a:r>
-                        <a:rPr lang="en-US" sz="2400" dirty="0">
+                        <a:rPr lang="en-US" sz="1400" dirty="0">
                           <a:effectLst/>
                         </a:rPr>
                         <a:t>Recommended location</a:t>
                       </a:r>
-                      <a:endParaRPr lang="en-US" sz="2400" dirty="0">
+                      <a:endParaRPr lang="en-US" sz="1400" dirty="0">
                         <a:solidFill>
                           <a:srgbClr val="000000"/>
                         </a:solidFill>
@@ -5810,7 +5811,7 @@
                   </a:ext>
                 </a:extLst>
               </a:tr>
-              <a:tr h="424015">
+              <a:tr h="287191">
                 <a:tc>
                   <a:txBody>
                     <a:bodyPr/>
@@ -5828,12 +5829,12 @@
                         </a:spcAft>
                       </a:pPr>
                       <a:r>
-                        <a:rPr lang="en-US" sz="1800" b="0" dirty="0">
+                        <a:rPr lang="en-US" sz="1400" b="0" dirty="0">
                           <a:effectLst/>
                         </a:rPr>
                         <a:t>American Restaurant</a:t>
                       </a:r>
-                      <a:endParaRPr lang="en-US" sz="1800" b="0" dirty="0">
+                      <a:endParaRPr lang="en-US" sz="1400" b="0" dirty="0">
                         <a:solidFill>
                           <a:srgbClr val="000000"/>
                         </a:solidFill>
@@ -5863,12 +5864,12 @@
                         </a:spcAft>
                       </a:pPr>
                       <a:r>
-                        <a:rPr lang="en-US" sz="1800">
+                        <a:rPr lang="en-US" sz="1400" dirty="0">
                           <a:effectLst/>
                         </a:rPr>
                         <a:t>Grant Park , Grove Park </a:t>
                       </a:r>
-                      <a:endParaRPr lang="en-US" sz="1800">
+                      <a:endParaRPr lang="en-US" sz="1400" dirty="0">
                         <a:solidFill>
                           <a:srgbClr val="000000"/>
                         </a:solidFill>
@@ -5887,7 +5888,7 @@
                   </a:ext>
                 </a:extLst>
               </a:tr>
-              <a:tr h="865990">
+              <a:tr h="586547">
                 <a:tc>
                   <a:txBody>
                     <a:bodyPr/>
@@ -5905,12 +5906,12 @@
                         </a:spcAft>
                       </a:pPr>
                       <a:r>
-                        <a:rPr lang="en-US" sz="1800" b="0" dirty="0">
+                        <a:rPr lang="en-US" sz="1400" b="0" dirty="0">
                           <a:effectLst/>
                         </a:rPr>
                         <a:t>Seafood Restaurant</a:t>
                       </a:r>
-                      <a:endParaRPr lang="en-US" sz="1800" b="0" dirty="0">
+                      <a:endParaRPr lang="en-US" sz="1400" b="0" dirty="0">
                         <a:solidFill>
                           <a:srgbClr val="000000"/>
                         </a:solidFill>
@@ -5940,12 +5941,12 @@
                         </a:spcAft>
                       </a:pPr>
                       <a:r>
-                        <a:rPr lang="en-US" sz="1800" dirty="0">
+                        <a:rPr lang="en-US" sz="1400" dirty="0">
                           <a:effectLst/>
                         </a:rPr>
                         <a:t>Virginia-Highland , Atlanta Downtown </a:t>
                       </a:r>
-                      <a:endParaRPr lang="en-US" sz="1800" dirty="0">
+                      <a:endParaRPr lang="en-US" sz="1400" dirty="0">
                         <a:solidFill>
                           <a:srgbClr val="000000"/>
                         </a:solidFill>
@@ -5964,7 +5965,7 @@
                   </a:ext>
                 </a:extLst>
               </a:tr>
-              <a:tr h="424015">
+              <a:tr h="586547">
                 <a:tc>
                   <a:txBody>
                     <a:bodyPr/>
@@ -5982,12 +5983,12 @@
                         </a:spcAft>
                       </a:pPr>
                       <a:r>
-                        <a:rPr lang="en-US" sz="1800" b="0" dirty="0">
+                        <a:rPr lang="en-US" sz="1400" b="0" dirty="0">
                           <a:effectLst/>
                         </a:rPr>
-                        <a:t>Sandwich Place</a:t>
+                        <a:t>Mediterranean Restaurant</a:t>
                       </a:r>
-                      <a:endParaRPr lang="en-US" sz="1800" b="0" dirty="0">
+                      <a:endParaRPr lang="en-US" sz="1400" b="0" dirty="0">
                         <a:solidFill>
                           <a:srgbClr val="000000"/>
                         </a:solidFill>
@@ -6017,12 +6018,12 @@
                         </a:spcAft>
                       </a:pPr>
                       <a:r>
-                        <a:rPr lang="en-US" sz="1800" dirty="0">
+                        <a:rPr lang="en-US" sz="1400" dirty="0">
                           <a:effectLst/>
                         </a:rPr>
-                        <a:t>No recommendation</a:t>
+                        <a:t>Atlanta Downtown </a:t>
                       </a:r>
-                      <a:endParaRPr lang="en-US" sz="1800" dirty="0">
+                      <a:endParaRPr lang="en-US" sz="1400" dirty="0">
                         <a:solidFill>
                           <a:srgbClr val="000000"/>
                         </a:solidFill>
@@ -6037,11 +6038,11 @@
                 </a:tc>
                 <a:extLst>
                   <a:ext uri="{0D108BD9-81ED-4DB2-BD59-A6C34878D82A}">
-                    <a16:rowId xmlns:a16="http://schemas.microsoft.com/office/drawing/2014/main" val="1162444095"/>
+                    <a16:rowId xmlns:a16="http://schemas.microsoft.com/office/drawing/2014/main" val="1391264281"/>
                   </a:ext>
                 </a:extLst>
               </a:tr>
-              <a:tr h="865990">
+              <a:tr h="287191">
                 <a:tc>
                   <a:txBody>
                     <a:bodyPr/>
@@ -6059,12 +6060,12 @@
                         </a:spcAft>
                       </a:pPr>
                       <a:r>
-                        <a:rPr lang="en-US" sz="1800" b="0" dirty="0">
+                        <a:rPr lang="en-US" sz="1400" b="0" dirty="0">
                           <a:effectLst/>
                         </a:rPr>
-                        <a:t>Mediterranean Restaurant</a:t>
+                        <a:t>Gastropub</a:t>
                       </a:r>
-                      <a:endParaRPr lang="en-US" sz="1800" b="0" dirty="0">
+                      <a:endParaRPr lang="en-US" sz="1400" b="0" dirty="0">
                         <a:solidFill>
                           <a:srgbClr val="000000"/>
                         </a:solidFill>
@@ -6094,89 +6095,12 @@
                         </a:spcAft>
                       </a:pPr>
                       <a:r>
-                        <a:rPr lang="en-US" sz="1800" dirty="0">
-                          <a:effectLst/>
-                        </a:rPr>
-                        <a:t>Atlanta Downtown </a:t>
-                      </a:r>
-                      <a:endParaRPr lang="en-US" sz="1800" dirty="0">
-                        <a:solidFill>
-                          <a:srgbClr val="000000"/>
-                        </a:solidFill>
-                        <a:effectLst/>
-                        <a:latin typeface="Calibri" panose="020F0502020204030204" pitchFamily="34" charset="0"/>
-                        <a:ea typeface="Calibri" panose="020F0502020204030204" pitchFamily="34" charset="0"/>
-                        <a:cs typeface="Times New Roman" panose="02020603050405020304" pitchFamily="18" charset="0"/>
-                      </a:endParaRPr>
-                    </a:p>
-                  </a:txBody>
-                  <a:tcPr marL="68580" marR="68580" marT="0" marB="0"/>
-                </a:tc>
-                <a:extLst>
-                  <a:ext uri="{0D108BD9-81ED-4DB2-BD59-A6C34878D82A}">
-                    <a16:rowId xmlns:a16="http://schemas.microsoft.com/office/drawing/2014/main" val="1391264281"/>
-                  </a:ext>
-                </a:extLst>
-              </a:tr>
-              <a:tr h="424015">
-                <a:tc>
-                  <a:txBody>
-                    <a:bodyPr/>
-                    <a:lstStyle/>
-                    <a:p>
-                      <a:pPr marL="0" marR="0">
-                        <a:lnSpc>
-                          <a:spcPct val="115000"/>
-                        </a:lnSpc>
-                        <a:spcBef>
-                          <a:spcPts val="0"/>
-                        </a:spcBef>
-                        <a:spcAft>
-                          <a:spcPts val="0"/>
-                        </a:spcAft>
-                      </a:pPr>
-                      <a:r>
-                        <a:rPr lang="en-US" sz="1800" b="0" dirty="0">
-                          <a:effectLst/>
-                        </a:rPr>
-                        <a:t>Gastropub</a:t>
-                      </a:r>
-                      <a:endParaRPr lang="en-US" sz="1800" b="0" dirty="0">
-                        <a:solidFill>
-                          <a:srgbClr val="000000"/>
-                        </a:solidFill>
-                        <a:effectLst/>
-                        <a:latin typeface="Calibri" panose="020F0502020204030204" pitchFamily="34" charset="0"/>
-                        <a:ea typeface="Calibri" panose="020F0502020204030204" pitchFamily="34" charset="0"/>
-                        <a:cs typeface="Times New Roman" panose="02020603050405020304" pitchFamily="18" charset="0"/>
-                      </a:endParaRPr>
-                    </a:p>
-                  </a:txBody>
-                  <a:tcPr marL="68580" marR="68580" marT="0" marB="0"/>
-                </a:tc>
-                <a:tc>
-                  <a:txBody>
-                    <a:bodyPr/>
-                    <a:lstStyle/>
-                    <a:p>
-                      <a:pPr marL="0" marR="0">
-                        <a:lnSpc>
-                          <a:spcPct val="115000"/>
-                        </a:lnSpc>
-                        <a:spcBef>
-                          <a:spcPts val="0"/>
-                        </a:spcBef>
-                        <a:spcAft>
-                          <a:spcPts val="0"/>
-                        </a:spcAft>
-                      </a:pPr>
-                      <a:r>
-                        <a:rPr lang="en-US" sz="1800" dirty="0">
+                        <a:rPr lang="en-US" sz="1400" dirty="0">
                           <a:effectLst/>
                         </a:rPr>
                         <a:t>Virginia-Highland </a:t>
                       </a:r>
-                      <a:endParaRPr lang="en-US" sz="1800" dirty="0">
+                      <a:endParaRPr lang="en-US" sz="1400" dirty="0">
                         <a:solidFill>
                           <a:srgbClr val="000000"/>
                         </a:solidFill>
@@ -6199,10 +6123,220 @@
           </a:graphicData>
         </a:graphic>
       </p:graphicFrame>
+      <p:sp>
+        <p:nvSpPr>
+          <p:cNvPr id="7" name="TextBox 6">
+            <a:extLst>
+              <a:ext uri="{FF2B5EF4-FFF2-40B4-BE49-F238E27FC236}">
+                <a16:creationId xmlns:a16="http://schemas.microsoft.com/office/drawing/2014/main" id="{F1BB9A5E-10D0-4824-9F40-0292ECBB2C9F}"/>
+              </a:ext>
+            </a:extLst>
+          </p:cNvPr>
+          <p:cNvSpPr txBox="1"/>
+          <p:nvPr/>
+        </p:nvSpPr>
+        <p:spPr>
+          <a:xfrm>
+            <a:off x="1143000" y="1883229"/>
+            <a:ext cx="10624457" cy="2893100"/>
+          </a:xfrm>
+          <a:prstGeom prst="rect">
+            <a:avLst/>
+          </a:prstGeom>
+          <a:noFill/>
+        </p:spPr>
+        <p:txBody>
+          <a:bodyPr wrap="square" rtlCol="0">
+            <a:spAutoFit/>
+          </a:bodyPr>
+          <a:lstStyle/>
+          <a:p>
+            <a:r>
+              <a:rPr lang="en-US" sz="1400" dirty="0"/>
+              <a:t>In Cluster 0,</a:t>
+            </a:r>
+            <a:r>
+              <a:rPr lang="en-US" sz="1400" b="1" dirty="0"/>
+              <a:t> Virginia-Highland</a:t>
+            </a:r>
+            <a:r>
+              <a:rPr lang="en-US" sz="1400" dirty="0"/>
+              <a:t> can be considered the best location for starting </a:t>
+            </a:r>
+            <a:r>
+              <a:rPr lang="en-US" sz="1400" b="1" dirty="0"/>
+              <a:t>Seafood Restaurant </a:t>
+            </a:r>
+            <a:r>
+              <a:rPr lang="en-US" sz="1400" dirty="0"/>
+              <a:t>or</a:t>
+            </a:r>
+            <a:r>
+              <a:rPr lang="en-US" sz="1400" b="1" dirty="0"/>
+              <a:t> Gastropub </a:t>
+            </a:r>
+            <a:r>
+              <a:rPr lang="en-US" sz="1400" dirty="0"/>
+              <a:t>business, as this neighborhood has Nightspots and Shop Service venues centers, all of which have warm correlation with Seafood / Gastropub cuisines. But Virginia-Highland has no Seafood / Gastropub restaurant, hence there will be no competition at all.</a:t>
+            </a:r>
+          </a:p>
+          <a:p>
+            <a:endParaRPr lang="en-US" sz="1400" dirty="0"/>
+          </a:p>
+          <a:p>
+            <a:r>
+              <a:rPr lang="en-US" sz="1400" dirty="0"/>
+              <a:t>In Cluster 1, </a:t>
+            </a:r>
+            <a:r>
+              <a:rPr lang="en-US" sz="1400" b="1" dirty="0"/>
+              <a:t> Atlanta Downtown</a:t>
+            </a:r>
+            <a:r>
+              <a:rPr lang="en-US" sz="1400" dirty="0"/>
+              <a:t> can be considered the best location for starting </a:t>
+            </a:r>
+            <a:r>
+              <a:rPr lang="en-US" sz="1400" b="1" dirty="0"/>
+              <a:t>Seafood Restaurant </a:t>
+            </a:r>
+            <a:r>
+              <a:rPr lang="en-US" sz="1400" dirty="0"/>
+              <a:t>or</a:t>
+            </a:r>
+            <a:r>
+              <a:rPr lang="en-US" sz="1400" b="1" dirty="0"/>
+              <a:t> Mediterranean restaurant </a:t>
+            </a:r>
+            <a:r>
+              <a:rPr lang="en-US" sz="1400" dirty="0"/>
+              <a:t>business, as this neighborhood has 4 Travel &amp; Transport venues, which has warm correlation to Seafood / Gastropub cuisines. But Atlanta Downtown has no Seafood / Gastropub restaurant, hence there will be no competition at all.</a:t>
+            </a:r>
+          </a:p>
+          <a:p>
+            <a:endParaRPr lang="en-US" sz="1400" dirty="0"/>
+          </a:p>
+          <a:p>
+            <a:r>
+              <a:rPr lang="en-US" sz="1400" dirty="0"/>
+              <a:t>In Cluster 2, </a:t>
+            </a:r>
+            <a:r>
+              <a:rPr lang="en-US" sz="1400" b="1" dirty="0"/>
+              <a:t>Grant Park </a:t>
+            </a:r>
+            <a:r>
+              <a:rPr lang="en-US" sz="1400" dirty="0"/>
+              <a:t>and</a:t>
+            </a:r>
+            <a:r>
+              <a:rPr lang="en-US" sz="1400" b="1" dirty="0"/>
+              <a:t> Grove Park</a:t>
+            </a:r>
+            <a:r>
+              <a:rPr lang="en-US" sz="1400" dirty="0"/>
+              <a:t> can be considered the best location for starting </a:t>
+            </a:r>
+            <a:r>
+              <a:rPr lang="en-US" sz="1400" b="1" dirty="0"/>
+              <a:t>American Restaurant </a:t>
+            </a:r>
+            <a:r>
+              <a:rPr lang="en-US" sz="1400" dirty="0"/>
+              <a:t>business, as this neighborhood has moderate Shop &amp; Service venues and1 Travel &amp; Transport venues each, which has warm correlation with American Restaurant</a:t>
+            </a:r>
+            <a:r>
+              <a:rPr lang="en-US" sz="1400" b="1" dirty="0"/>
+              <a:t> </a:t>
+            </a:r>
+            <a:r>
+              <a:rPr lang="en-US" sz="1400" dirty="0"/>
+              <a:t>cuisines. But Grant Park and Grove Park has no American restaurant, hence there will be no competition at all.</a:t>
+            </a:r>
+          </a:p>
+          <a:p>
+            <a:endParaRPr lang="en-US" sz="1400" dirty="0"/>
+          </a:p>
+          <a:p>
+            <a:endParaRPr lang="en-US" sz="1400" dirty="0"/>
+          </a:p>
+        </p:txBody>
+      </p:sp>
     </p:spTree>
     <p:extLst>
       <p:ext uri="{BB962C8B-B14F-4D97-AF65-F5344CB8AC3E}">
         <p14:creationId xmlns:p14="http://schemas.microsoft.com/office/powerpoint/2010/main" val="253739419"/>
+      </p:ext>
+    </p:extLst>
+  </p:cSld>
+  <p:clrMapOvr>
+    <a:masterClrMapping/>
+  </p:clrMapOvr>
+</p:sld>
+</file>
+
+<file path=ppt/slides/slide8.xml><?xml version="1.0" encoding="utf-8"?>
+<p:sld xmlns:a="http://schemas.openxmlformats.org/drawingml/2006/main" xmlns:r="http://schemas.openxmlformats.org/officeDocument/2006/relationships" xmlns:p="http://schemas.openxmlformats.org/presentationml/2006/main">
+  <p:cSld>
+    <p:spTree>
+      <p:nvGrpSpPr>
+        <p:cNvPr id="1" name=""/>
+        <p:cNvGrpSpPr/>
+        <p:nvPr/>
+      </p:nvGrpSpPr>
+      <p:grpSpPr>
+        <a:xfrm>
+          <a:off x="0" y="0"/>
+          <a:ext cx="0" cy="0"/>
+          <a:chOff x="0" y="0"/>
+          <a:chExt cx="0" cy="0"/>
+        </a:xfrm>
+      </p:grpSpPr>
+      <p:sp>
+        <p:nvSpPr>
+          <p:cNvPr id="2" name="Title 1">
+            <a:extLst>
+              <a:ext uri="{FF2B5EF4-FFF2-40B4-BE49-F238E27FC236}">
+                <a16:creationId xmlns:a16="http://schemas.microsoft.com/office/drawing/2014/main" id="{7BF7CB92-6F7C-4A1A-B95D-CB31A3462794}"/>
+              </a:ext>
+            </a:extLst>
+          </p:cNvPr>
+          <p:cNvSpPr>
+            <a:spLocks noGrp="1"/>
+          </p:cNvSpPr>
+          <p:nvPr>
+            <p:ph type="title"/>
+          </p:nvPr>
+        </p:nvSpPr>
+        <p:spPr>
+          <a:xfrm>
+            <a:off x="4005943" y="2406079"/>
+            <a:ext cx="4038600" cy="1371600"/>
+          </a:xfrm>
+        </p:spPr>
+        <p:txBody>
+          <a:bodyPr>
+            <a:normAutofit fontScale="90000"/>
+          </a:bodyPr>
+          <a:lstStyle/>
+          <a:p>
+            <a:r>
+              <a:rPr lang="en-US" sz="6000" b="1" dirty="0">
+                <a:solidFill>
+                  <a:schemeClr val="accent3">
+                    <a:lumMod val="75000"/>
+                  </a:schemeClr>
+                </a:solidFill>
+              </a:rPr>
+              <a:t>THANK YOU</a:t>
+            </a:r>
+          </a:p>
+        </p:txBody>
+      </p:sp>
+    </p:spTree>
+    <p:extLst>
+      <p:ext uri="{BB962C8B-B14F-4D97-AF65-F5344CB8AC3E}">
+        <p14:creationId xmlns:p14="http://schemas.microsoft.com/office/powerpoint/2010/main" val="1358750924"/>
       </p:ext>
     </p:extLst>
   </p:cSld>
